--- a/src/test/resources/googleSearch/cucumberJvm.pptx
+++ b/src/test/resources/googleSearch/cucumberJvm.pptx
@@ -193,7 +193,7 @@
           <a:p>
             <a:fld id="{89F2C0DC-CD04-417C-A135-FB3EC4EA42F4}" type="datetimeFigureOut">
               <a:rPr lang="en-US" smtClean="0"/>
-              <a:t>12/16/2014</a:t>
+              <a:t>12/24/2014</a:t>
             </a:fld>
             <a:endParaRPr lang="en-US"/>
           </a:p>
@@ -810,7 +810,7 @@
           <a:p>
             <a:fld id="{6517D69C-0A7D-9142-9BD1-889DC62FD469}" type="datetimeFigureOut">
               <a:rPr lang="en-US" smtClean="0"/>
-              <a:t>12/16/2014</a:t>
+              <a:t>12/24/2014</a:t>
             </a:fld>
             <a:endParaRPr lang="en-US"/>
           </a:p>
@@ -980,7 +980,7 @@
           <a:p>
             <a:fld id="{6517D69C-0A7D-9142-9BD1-889DC62FD469}" type="datetimeFigureOut">
               <a:rPr lang="en-US" smtClean="0"/>
-              <a:t>12/16/2014</a:t>
+              <a:t>12/24/2014</a:t>
             </a:fld>
             <a:endParaRPr lang="en-US"/>
           </a:p>
@@ -1160,7 +1160,7 @@
           <a:p>
             <a:fld id="{6517D69C-0A7D-9142-9BD1-889DC62FD469}" type="datetimeFigureOut">
               <a:rPr lang="en-US" smtClean="0"/>
-              <a:t>12/16/2014</a:t>
+              <a:t>12/24/2014</a:t>
             </a:fld>
             <a:endParaRPr lang="en-US"/>
           </a:p>
@@ -1330,7 +1330,7 @@
           <a:p>
             <a:fld id="{6517D69C-0A7D-9142-9BD1-889DC62FD469}" type="datetimeFigureOut">
               <a:rPr lang="en-US" smtClean="0"/>
-              <a:t>12/16/2014</a:t>
+              <a:t>12/24/2014</a:t>
             </a:fld>
             <a:endParaRPr lang="en-US"/>
           </a:p>
@@ -1576,7 +1576,7 @@
           <a:p>
             <a:fld id="{6517D69C-0A7D-9142-9BD1-889DC62FD469}" type="datetimeFigureOut">
               <a:rPr lang="en-US" smtClean="0"/>
-              <a:t>12/16/2014</a:t>
+              <a:t>12/24/2014</a:t>
             </a:fld>
             <a:endParaRPr lang="en-US"/>
           </a:p>
@@ -1864,7 +1864,7 @@
           <a:p>
             <a:fld id="{6517D69C-0A7D-9142-9BD1-889DC62FD469}" type="datetimeFigureOut">
               <a:rPr lang="en-US" smtClean="0"/>
-              <a:t>12/16/2014</a:t>
+              <a:t>12/24/2014</a:t>
             </a:fld>
             <a:endParaRPr lang="en-US"/>
           </a:p>
@@ -2286,7 +2286,7 @@
           <a:p>
             <a:fld id="{6517D69C-0A7D-9142-9BD1-889DC62FD469}" type="datetimeFigureOut">
               <a:rPr lang="en-US" smtClean="0"/>
-              <a:t>12/16/2014</a:t>
+              <a:t>12/24/2014</a:t>
             </a:fld>
             <a:endParaRPr lang="en-US"/>
           </a:p>
@@ -2404,7 +2404,7 @@
           <a:p>
             <a:fld id="{6517D69C-0A7D-9142-9BD1-889DC62FD469}" type="datetimeFigureOut">
               <a:rPr lang="en-US" smtClean="0"/>
-              <a:t>12/16/2014</a:t>
+              <a:t>12/24/2014</a:t>
             </a:fld>
             <a:endParaRPr lang="en-US"/>
           </a:p>
@@ -2499,7 +2499,7 @@
           <a:p>
             <a:fld id="{6517D69C-0A7D-9142-9BD1-889DC62FD469}" type="datetimeFigureOut">
               <a:rPr lang="en-US" smtClean="0"/>
-              <a:t>12/16/2014</a:t>
+              <a:t>12/24/2014</a:t>
             </a:fld>
             <a:endParaRPr lang="en-US"/>
           </a:p>
@@ -2776,7 +2776,7 @@
           <a:p>
             <a:fld id="{6517D69C-0A7D-9142-9BD1-889DC62FD469}" type="datetimeFigureOut">
               <a:rPr lang="en-US" smtClean="0"/>
-              <a:t>12/16/2014</a:t>
+              <a:t>12/24/2014</a:t>
             </a:fld>
             <a:endParaRPr lang="en-US"/>
           </a:p>
@@ -3029,7 +3029,7 @@
           <a:p>
             <a:fld id="{6517D69C-0A7D-9142-9BD1-889DC62FD469}" type="datetimeFigureOut">
               <a:rPr lang="en-US" smtClean="0"/>
-              <a:t>12/16/2014</a:t>
+              <a:t>12/24/2014</a:t>
             </a:fld>
             <a:endParaRPr lang="en-US"/>
           </a:p>
@@ -3242,7 +3242,7 @@
           <a:p>
             <a:fld id="{6517D69C-0A7D-9142-9BD1-889DC62FD469}" type="datetimeFigureOut">
               <a:rPr lang="en-US" smtClean="0"/>
-              <a:t>12/16/2014</a:t>
+              <a:t>12/24/2014</a:t>
             </a:fld>
             <a:endParaRPr lang="en-US"/>
           </a:p>
@@ -3656,7 +3656,7 @@
       </p:sp>
       <p:pic>
         <p:nvPicPr>
-          <p:cNvPr id="4" name="Picture 3" descr="cucumber jvm - Google Search - Windows Internet Explorer provided by Northrop Grumman Corporation"/>
+          <p:cNvPr id="2" name="Picture 1" descr="cucumber jvm - Google Search - Google Chrome"/>
           <p:cNvPicPr>
             <a:picLocks noChangeAspect="1"/>
           </p:cNvPicPr>
@@ -3675,8 +3675,8 @@
         </p:blipFill>
         <p:spPr>
           <a:xfrm>
-            <a:off x="508883" y="1431235"/>
-            <a:ext cx="4436828" cy="282271"/>
+            <a:off x="152865" y="1763486"/>
+            <a:ext cx="7608649" cy="664028"/>
           </a:xfrm>
           <a:prstGeom prst="rect">
             <a:avLst/>
@@ -3685,14 +3685,14 @@
       </p:pic>
       <p:sp>
         <p:nvSpPr>
-          <p:cNvPr id="6" name="Rectangle 5"/>
+          <p:cNvPr id="3" name="Rectangle 2"/>
           <p:cNvSpPr/>
           <p:nvPr/>
         </p:nvSpPr>
         <p:spPr>
           <a:xfrm>
-            <a:off x="3474720" y="1574358"/>
-            <a:ext cx="1085353" cy="278296"/>
+            <a:off x="2623457" y="1763486"/>
+            <a:ext cx="2155372" cy="664028"/>
           </a:xfrm>
           <a:prstGeom prst="rect">
             <a:avLst/>
